--- a/topic-03-JavaScript-2/talk-1/talk-1.pptx
+++ b/topic-03-JavaScript-2/talk-1/talk-1.pptx
@@ -155,7 +155,7 @@
   </p:defaultTextStyle>
   <p:extLst>
     <p:ext uri="{EFAFB233-063F-42B5-8137-9DF3F51BA10A}">
-      <p15:sldGuideLst xmlns:p15="http://schemas.microsoft.com/office/powerpoint/2012/main" xmlns="">
+      <p15:sldGuideLst xmlns="" xmlns:p15="http://schemas.microsoft.com/office/powerpoint/2012/main">
         <p15:guide id="1" orient="horz" pos="2160">
           <p15:clr>
             <a:srgbClr val="A4A3A4"/>
@@ -254,7 +254,7 @@
           <a:p>
             <a:fld id="{31E3A3E0-0EEC-43C3-B8B8-6A5D051024B7}" type="datetimeFigureOut">
               <a:rPr lang="en-US" smtClean="0"/>
-              <a:t>1/25/2018</a:t>
+              <a:t>1/29/2018</a:t>
             </a:fld>
             <a:endParaRPr lang="en-US"/>
           </a:p>
@@ -8609,7 +8609,7 @@
           <a:p>
             <a:fld id="{4BC48473-ACCD-4242-806A-1249CC2C55A8}" type="datetimeFigureOut">
               <a:rPr lang="en-US" smtClean="0"/>
-              <a:t>1/25/2018</a:t>
+              <a:t>1/29/2018</a:t>
             </a:fld>
             <a:endParaRPr lang="en-US"/>
           </a:p>
@@ -8885,7 +8885,7 @@
           <a:p>
             <a:fld id="{4BC48473-ACCD-4242-806A-1249CC2C55A8}" type="datetimeFigureOut">
               <a:rPr lang="en-US" smtClean="0"/>
-              <a:t>1/25/2018</a:t>
+              <a:t>1/29/2018</a:t>
             </a:fld>
             <a:endParaRPr lang="en-US"/>
           </a:p>
@@ -9065,7 +9065,7 @@
           <a:p>
             <a:fld id="{4BC48473-ACCD-4242-806A-1249CC2C55A8}" type="datetimeFigureOut">
               <a:rPr lang="en-US" smtClean="0"/>
-              <a:t>1/25/2018</a:t>
+              <a:t>1/29/2018</a:t>
             </a:fld>
             <a:endParaRPr lang="en-US"/>
           </a:p>
@@ -9235,7 +9235,7 @@
           <a:p>
             <a:fld id="{4BC48473-ACCD-4242-806A-1249CC2C55A8}" type="datetimeFigureOut">
               <a:rPr lang="en-US" smtClean="0"/>
-              <a:t>1/25/2018</a:t>
+              <a:t>1/29/2018</a:t>
             </a:fld>
             <a:endParaRPr lang="en-US"/>
           </a:p>
@@ -9831,7 +9831,7 @@
           <a:p>
             <a:fld id="{4BC48473-ACCD-4242-806A-1249CC2C55A8}" type="datetimeFigureOut">
               <a:rPr lang="en-US" smtClean="0"/>
-              <a:t>1/25/2018</a:t>
+              <a:t>1/29/2018</a:t>
             </a:fld>
             <a:endParaRPr lang="en-US"/>
           </a:p>
@@ -11637,7 +11637,7 @@
           <a:p>
             <a:fld id="{4BC48473-ACCD-4242-806A-1249CC2C55A8}" type="datetimeFigureOut">
               <a:rPr lang="en-US" smtClean="0"/>
-              <a:t>1/25/2018</a:t>
+              <a:t>1/29/2018</a:t>
             </a:fld>
             <a:endParaRPr lang="en-US"/>
           </a:p>
@@ -11697,7 +11697,7 @@
   </p:clrMapOvr>
   <p:extLst mod="1">
     <p:ext uri="{DCECCB84-F9BA-43D5-87BE-67443E8EF086}">
-      <p15:sldGuideLst xmlns:p15="http://schemas.microsoft.com/office/powerpoint/2012/main" xmlns=""/>
+      <p15:sldGuideLst xmlns="" xmlns:p15="http://schemas.microsoft.com/office/powerpoint/2012/main"/>
     </p:ext>
   </p:extLst>
 </p:sldLayout>
@@ -12027,7 +12027,7 @@
           <a:p>
             <a:fld id="{4BC48473-ACCD-4242-806A-1249CC2C55A8}" type="datetimeFigureOut">
               <a:rPr lang="en-US" smtClean="0"/>
-              <a:t>1/25/2018</a:t>
+              <a:t>1/29/2018</a:t>
             </a:fld>
             <a:endParaRPr lang="en-US"/>
           </a:p>
@@ -12087,7 +12087,7 @@
   </p:clrMapOvr>
   <p:extLst mod="1">
     <p:ext uri="{DCECCB84-F9BA-43D5-87BE-67443E8EF086}">
-      <p15:sldGuideLst xmlns:p15="http://schemas.microsoft.com/office/powerpoint/2012/main" xmlns=""/>
+      <p15:sldGuideLst xmlns="" xmlns:p15="http://schemas.microsoft.com/office/powerpoint/2012/main"/>
     </p:ext>
   </p:extLst>
 </p:sldLayout>
@@ -12150,7 +12150,7 @@
           <a:p>
             <a:fld id="{4BC48473-ACCD-4242-806A-1249CC2C55A8}" type="datetimeFigureOut">
               <a:rPr lang="en-US" smtClean="0"/>
-              <a:t>1/25/2018</a:t>
+              <a:t>1/29/2018</a:t>
             </a:fld>
             <a:endParaRPr lang="en-US"/>
           </a:p>
@@ -12245,7 +12245,7 @@
           <a:p>
             <a:fld id="{4BC48473-ACCD-4242-806A-1249CC2C55A8}" type="datetimeFigureOut">
               <a:rPr lang="en-US" smtClean="0"/>
-              <a:t>1/25/2018</a:t>
+              <a:t>1/29/2018</a:t>
             </a:fld>
             <a:endParaRPr lang="en-US"/>
           </a:p>
@@ -13010,7 +13010,7 @@
           <a:p>
             <a:fld id="{4BC48473-ACCD-4242-806A-1249CC2C55A8}" type="datetimeFigureOut">
               <a:rPr lang="en-US" smtClean="0"/>
-              <a:t>1/25/2018</a:t>
+              <a:t>1/29/2018</a:t>
             </a:fld>
             <a:endParaRPr lang="en-US"/>
           </a:p>
@@ -13156,7 +13156,7 @@
   </p:clrMapOvr>
   <p:extLst mod="1">
     <p:ext uri="{DCECCB84-F9BA-43D5-87BE-67443E8EF086}">
-      <p15:sldGuideLst xmlns:p15="http://schemas.microsoft.com/office/powerpoint/2012/main" xmlns="">
+      <p15:sldGuideLst xmlns="" xmlns:p15="http://schemas.microsoft.com/office/powerpoint/2012/main">
         <p15:guide id="1" orient="horz" pos="696">
           <p15:clr>
             <a:srgbClr val="FBAE40"/>
@@ -13890,7 +13890,7 @@
           <a:p>
             <a:fld id="{4BC48473-ACCD-4242-806A-1249CC2C55A8}" type="datetimeFigureOut">
               <a:rPr lang="en-US" smtClean="0"/>
-              <a:t>1/25/2018</a:t>
+              <a:t>1/29/2018</a:t>
             </a:fld>
             <a:endParaRPr lang="en-US"/>
           </a:p>
@@ -14155,7 +14155,7 @@
           <a:p>
             <a:fld id="{4BC48473-ACCD-4242-806A-1249CC2C55A8}" type="datetimeFigureOut">
               <a:rPr lang="en-US" smtClean="0"/>
-              <a:t>1/25/2018</a:t>
+              <a:t>1/29/2018</a:t>
             </a:fld>
             <a:endParaRPr lang="en-US"/>
           </a:p>
@@ -14773,7 +14773,7 @@
   </p:txStyles>
   <p:extLst mod="1">
     <p:ext uri="{27BBF7A9-308A-43DC-89C8-2F10F3537804}">
-      <p15:sldGuideLst xmlns:p15="http://schemas.microsoft.com/office/powerpoint/2012/main" xmlns="">
+      <p15:sldGuideLst xmlns="" xmlns:p15="http://schemas.microsoft.com/office/powerpoint/2012/main">
         <p15:guide id="1" pos="792">
           <p15:clr>
             <a:srgbClr val="F26B43"/>
@@ -14872,8 +14872,12 @@
               <a:rPr lang="en-US" altLang="en-US" sz="6000" b="1" dirty="0" smtClean="0"/>
             </a:br>
             <a:r>
-              <a:rPr lang="en-US" altLang="en-US" sz="6000" b="1" dirty="0" smtClean="0"/>
-              <a:t>Part two</a:t>
+              <a:rPr lang="en-US" altLang="en-US" sz="6000" b="1" smtClean="0"/>
+              <a:t>Part </a:t>
+            </a:r>
+            <a:r>
+              <a:rPr lang="en-US" altLang="en-US" sz="6000" b="1" smtClean="0"/>
+              <a:t>two</a:t>
             </a:r>
             <a:endParaRPr lang="tr-TR" altLang="en-US" sz="6000" b="1" dirty="0" smtClean="0"/>
           </a:p>
@@ -15271,7 +15275,7 @@
                   <a:schemeClr val="tx1"/>
                 </a:solidFill>
               </a:rPr>
-              <a:t>(</a:t>
+              <a:t>( </a:t>
             </a:r>
             <a:r>
               <a:rPr lang="en-US" altLang="en-US" dirty="0" err="1" smtClean="0">
@@ -15287,15 +15291,7 @@
                   <a:schemeClr val="tx1"/>
                 </a:solidFill>
               </a:rPr>
-              <a:t>(0)) </a:t>
-            </a:r>
-            <a:r>
-              <a:rPr lang="en-US" altLang="en-US" dirty="0" smtClean="0">
-                <a:solidFill>
-                  <a:schemeClr val="tx1"/>
-                </a:solidFill>
-              </a:rPr>
-              <a:t>;</a:t>
+              <a:t>(0));</a:t>
             </a:r>
           </a:p>
           <a:p>
@@ -15320,7 +15316,7 @@
                   <a:schemeClr val="tx1"/>
                 </a:solidFill>
               </a:rPr>
-              <a:t>(</a:t>
+              <a:t>( </a:t>
             </a:r>
             <a:r>
               <a:rPr lang="en-US" altLang="en-US" dirty="0" err="1" smtClean="0">
@@ -15336,15 +15332,7 @@
                   <a:schemeClr val="tx1"/>
                 </a:solidFill>
               </a:rPr>
-              <a:t>(2)) </a:t>
-            </a:r>
-            <a:r>
-              <a:rPr lang="en-US" altLang="en-US" dirty="0" smtClean="0">
-                <a:solidFill>
-                  <a:schemeClr val="tx1"/>
-                </a:solidFill>
-              </a:rPr>
-              <a:t>;</a:t>
+              <a:t>(2));</a:t>
             </a:r>
           </a:p>
           <a:p>
@@ -16077,31 +16065,7 @@
                   <a:schemeClr val="tx1"/>
                 </a:solidFill>
               </a:rPr>
-              <a:t>(1</a:t>
-            </a:r>
-            <a:r>
-              <a:rPr lang="en-US" altLang="en-US" sz="2400" dirty="0" smtClean="0">
-                <a:solidFill>
-                  <a:schemeClr val="tx1"/>
-                </a:solidFill>
-              </a:rPr>
-              <a:t>, </a:t>
-            </a:r>
-            <a:r>
-              <a:rPr lang="en-US" altLang="en-US" sz="2400" dirty="0" smtClean="0">
-                <a:solidFill>
-                  <a:schemeClr val="tx1"/>
-                </a:solidFill>
-              </a:rPr>
-              <a:t>3)) </a:t>
-            </a:r>
-            <a:r>
-              <a:rPr lang="en-US" altLang="en-US" sz="2400" dirty="0" smtClean="0">
-                <a:solidFill>
-                  <a:schemeClr val="tx1"/>
-                </a:solidFill>
-              </a:rPr>
-              <a:t>;</a:t>
+              <a:t>(1, 3));</a:t>
             </a:r>
           </a:p>
           <a:p>
@@ -16139,7 +16103,15 @@
                   <a:schemeClr val="tx1"/>
                 </a:solidFill>
               </a:rPr>
-              <a:t>(0</a:t>
+              <a:t>(0, </a:t>
+            </a:r>
+            <a:r>
+              <a:rPr lang="en-US" altLang="en-US" sz="2400" dirty="0" err="1" smtClean="0">
+                <a:solidFill>
+                  <a:schemeClr val="tx1"/>
+                </a:solidFill>
+              </a:rPr>
+              <a:t>s.length</a:t>
             </a:r>
             <a:r>
               <a:rPr lang="en-US" altLang="en-US" sz="2400" dirty="0" smtClean="0">
@@ -16147,31 +16119,7 @@
                   <a:schemeClr val="tx1"/>
                 </a:solidFill>
               </a:rPr>
-              <a:t>, </a:t>
-            </a:r>
-            <a:r>
-              <a:rPr lang="en-US" altLang="en-US" sz="2400" dirty="0" err="1" smtClean="0">
-                <a:solidFill>
-                  <a:schemeClr val="tx1"/>
-                </a:solidFill>
-              </a:rPr>
-              <a:t>s.length</a:t>
-            </a:r>
-            <a:r>
-              <a:rPr lang="en-US" altLang="en-US" sz="2400" dirty="0" smtClean="0">
-                <a:solidFill>
-                  <a:schemeClr val="tx1"/>
-                </a:solidFill>
-              </a:rPr>
-              <a:t>)) </a:t>
-            </a:r>
-            <a:r>
-              <a:rPr lang="en-US" altLang="en-US" sz="2400" dirty="0" smtClean="0">
-                <a:solidFill>
-                  <a:schemeClr val="tx1"/>
-                </a:solidFill>
-              </a:rPr>
-              <a:t>;</a:t>
+              <a:t>));</a:t>
             </a:r>
           </a:p>
         </p:txBody>
@@ -16967,7 +16915,7 @@
                   <a:schemeClr val="tx1"/>
                 </a:solidFill>
               </a:rPr>
-              <a:t>(“</a:t>
+              <a:t>("</a:t>
             </a:r>
             <a:r>
               <a:rPr lang="en-US" altLang="en-US" sz="2400" dirty="0" err="1" smtClean="0">
@@ -16983,15 +16931,7 @@
                   <a:schemeClr val="tx1"/>
                 </a:solidFill>
               </a:rPr>
-              <a:t>”)) </a:t>
-            </a:r>
-            <a:r>
-              <a:rPr lang="en-US" altLang="en-US" sz="2400" dirty="0" smtClean="0">
-                <a:solidFill>
-                  <a:schemeClr val="tx1"/>
-                </a:solidFill>
-              </a:rPr>
-              <a:t>;</a:t>
+              <a:t>"));</a:t>
             </a:r>
           </a:p>
           <a:p>
@@ -17029,31 +16969,7 @@
                   <a:schemeClr val="tx1"/>
                 </a:solidFill>
               </a:rPr>
-              <a:t>(“</a:t>
-            </a:r>
-            <a:r>
-              <a:rPr lang="en-US" altLang="en-US" sz="2400" dirty="0" smtClean="0">
-                <a:solidFill>
-                  <a:schemeClr val="tx1"/>
-                </a:solidFill>
-              </a:rPr>
-              <a:t>z</a:t>
-            </a:r>
-            <a:r>
-              <a:rPr lang="en-US" altLang="en-US" sz="2400" dirty="0" smtClean="0">
-                <a:solidFill>
-                  <a:schemeClr val="tx1"/>
-                </a:solidFill>
-              </a:rPr>
-              <a:t>”)) </a:t>
-            </a:r>
-            <a:r>
-              <a:rPr lang="en-US" altLang="en-US" sz="2400" dirty="0" smtClean="0">
-                <a:solidFill>
-                  <a:schemeClr val="tx1"/>
-                </a:solidFill>
-              </a:rPr>
-              <a:t>;</a:t>
+              <a:t>("z"));</a:t>
             </a:r>
           </a:p>
         </p:txBody>
@@ -17793,23 +17709,7 @@
                   <a:schemeClr val="tx1"/>
                 </a:solidFill>
               </a:rPr>
-              <a:t>data = new Array</a:t>
-            </a:r>
-            <a:r>
-              <a:rPr lang="en-US" altLang="en-US" dirty="0" smtClean="0">
-                <a:solidFill>
-                  <a:schemeClr val="tx1"/>
-                </a:solidFill>
-              </a:rPr>
-              <a:t>() </a:t>
-            </a:r>
-            <a:r>
-              <a:rPr lang="en-US" altLang="en-US" dirty="0" smtClean="0">
-                <a:solidFill>
-                  <a:schemeClr val="tx1"/>
-                </a:solidFill>
-              </a:rPr>
-              <a:t>;</a:t>
+              <a:t>data = new Array() ;</a:t>
             </a:r>
           </a:p>
           <a:p>
@@ -17848,15 +17748,7 @@
                   <a:schemeClr val="tx1"/>
                 </a:solidFill>
               </a:rPr>
-              <a:t>(“ ") </a:t>
-            </a:r>
-            <a:r>
-              <a:rPr lang="en-US" altLang="en-US" dirty="0" smtClean="0">
-                <a:solidFill>
-                  <a:schemeClr val="tx1"/>
-                </a:solidFill>
-              </a:rPr>
-              <a:t>;</a:t>
+              <a:t>("  ") ;</a:t>
             </a:r>
           </a:p>
           <a:p>
@@ -17887,7 +17779,7 @@
                   <a:schemeClr val="tx1"/>
                 </a:solidFill>
               </a:rPr>
-              <a:t>( "&lt;TABLE&gt;" ) ;</a:t>
+              <a:t>("&lt;TABLE&gt;") ;</a:t>
             </a:r>
           </a:p>
           <a:p>
@@ -17949,7 +17841,7 @@
                   <a:schemeClr val="tx1"/>
                 </a:solidFill>
               </a:rPr>
-              <a:t>( "&lt;TR&gt;&lt;TD&gt;", data[ </a:t>
+              <a:t>("&lt;TR&gt;&lt;TD&gt;", data[ </a:t>
             </a:r>
             <a:r>
               <a:rPr lang="en-US" altLang="en-US" dirty="0" err="1" smtClean="0">
@@ -17965,7 +17857,7 @@
                   <a:schemeClr val="tx1"/>
                 </a:solidFill>
               </a:rPr>
-              <a:t> ], "&lt;/TD&gt;&lt;/TR&gt;" ) ;</a:t>
+              <a:t> ], "&lt;/TD&gt;&lt;/TR&gt;") ;</a:t>
             </a:r>
           </a:p>
           <a:p>
@@ -18024,7 +17916,7 @@
                   <a:schemeClr val="tx1"/>
                 </a:solidFill>
               </a:rPr>
-              <a:t>( "&lt;/TABLE&gt;" ) ;</a:t>
+              <a:t>("&lt;/TABLE&gt;") ;</a:t>
             </a:r>
           </a:p>
         </p:txBody>
@@ -18790,7 +18682,7 @@
                   <a:schemeClr val="tx1"/>
                 </a:solidFill>
               </a:rPr>
-              <a:t>( ) method expects a string (or several strings, separated by commas) as its argument.</a:t>
+              <a:t>() method expects a string (or several strings, separated by commas) as its argument.</a:t>
             </a:r>
           </a:p>
           <a:p>
@@ -19443,15 +19335,7 @@
                   <a:schemeClr val="tx1"/>
                 </a:solidFill>
               </a:rPr>
-              <a:t>("</a:t>
-            </a:r>
-            <a:r>
-              <a:rPr lang="en-US" altLang="en-US" sz="2400" dirty="0" smtClean="0">
-                <a:solidFill>
-                  <a:schemeClr val="tx1"/>
-                </a:solidFill>
-              </a:rPr>
-              <a:t>2" + 3) ;</a:t>
+              <a:t>("2" + 3) ;</a:t>
             </a:r>
           </a:p>
         </p:txBody>
@@ -20758,13 +20642,7 @@
               <a:rPr lang="en-US" altLang="en-US" sz="2400" dirty="0" smtClean="0">
                 <a:latin typeface="+mn-lt"/>
               </a:rPr>
-              <a:t>+ </a:t>
-            </a:r>
-            <a:r>
-              <a:rPr lang="en-US" altLang="en-US" sz="2400" dirty="0" smtClean="0">
-                <a:latin typeface="+mn-lt"/>
-              </a:rPr>
-              <a:t>3) </a:t>
+              <a:t>+ 3) </a:t>
             </a:r>
             <a:r>
               <a:rPr lang="en-US" altLang="en-US" sz="2400" dirty="0">
@@ -21658,7 +21536,7 @@
                   <a:schemeClr val="tx1"/>
                 </a:solidFill>
               </a:rPr>
-              <a:t>( ) ;</a:t>
+              <a:t>() ;</a:t>
             </a:r>
           </a:p>
           <a:p>
@@ -21696,15 +21574,7 @@
                   <a:schemeClr val="tx1"/>
                 </a:solidFill>
               </a:rPr>
-              <a:t>(".", 0) </a:t>
-            </a:r>
-            <a:r>
-              <a:rPr lang="en-US" altLang="en-US" sz="2400" dirty="0" smtClean="0">
-                <a:solidFill>
-                  <a:schemeClr val="tx1"/>
-                </a:solidFill>
-              </a:rPr>
-              <a:t>;</a:t>
+              <a:t>(".", 0) ;</a:t>
             </a:r>
           </a:p>
           <a:p>
@@ -21750,23 +21620,7 @@
                   <a:schemeClr val="tx1"/>
                 </a:solidFill>
               </a:rPr>
-              <a:t> + </a:t>
-            </a:r>
-            <a:r>
-              <a:rPr lang="en-US" altLang="en-US" sz="2400" dirty="0" smtClean="0">
-                <a:solidFill>
-                  <a:schemeClr val="tx1"/>
-                </a:solidFill>
-              </a:rPr>
-              <a:t>3) </a:t>
-            </a:r>
-            <a:r>
-              <a:rPr lang="en-US" altLang="en-US" sz="2400" dirty="0" smtClean="0">
-                <a:solidFill>
-                  <a:schemeClr val="tx1"/>
-                </a:solidFill>
-              </a:rPr>
-              <a:t>;</a:t>
+              <a:t> + 3) ;</a:t>
             </a:r>
           </a:p>
           <a:p>
@@ -21788,15 +21642,7 @@
                   <a:schemeClr val="tx1"/>
                 </a:solidFill>
               </a:rPr>
-              <a:t>(c) </a:t>
-            </a:r>
-            <a:r>
-              <a:rPr lang="en-US" altLang="en-US" sz="2400" dirty="0" smtClean="0">
-                <a:solidFill>
-                  <a:schemeClr val="tx1"/>
-                </a:solidFill>
-              </a:rPr>
-              <a:t>;</a:t>
+              <a:t>(c) ;</a:t>
             </a:r>
             <a:endParaRPr lang="en-US" altLang="en-US" dirty="0" smtClean="0">
               <a:solidFill>
@@ -23261,7 +23107,7 @@
         <p:spPr>
           <a:xfrm>
             <a:off x="6324600" y="5715000"/>
-            <a:ext cx="1959191" cy="592022"/>
+            <a:ext cx="1845377" cy="592022"/>
           </a:xfrm>
           <a:solidFill>
             <a:schemeClr val="bg2"/>
@@ -23296,7 +23142,7 @@
                 <a:latin typeface="Arial" panose="020B0604020202020204" pitchFamily="34" charset="0"/>
                 <a:cs typeface="Arial" panose="020B0604020202020204" pitchFamily="34" charset="0"/>
               </a:rPr>
-              <a:t>random( )</a:t>
+              <a:t>random()</a:t>
             </a:r>
           </a:p>
         </p:txBody>
@@ -23953,7 +23799,7 @@
                   </a:schemeClr>
                 </a:solidFill>
               </a:rPr>
-              <a:t>max(x</a:t>
+              <a:t>min(x</a:t>
             </a:r>
             <a:r>
               <a:rPr lang="en-US" altLang="en-US" dirty="0">
@@ -27598,7 +27444,7 @@
               <a:buNone/>
             </a:pPr>
             <a:r>
-              <a:rPr lang="en-US" altLang="en-US" sz="4400" dirty="0" smtClean="0">
+              <a:rPr lang="en-US" altLang="en-US" sz="4400" dirty="0">
                 <a:solidFill>
                   <a:schemeClr val="tx2">
                     <a:lumMod val="75000"/>
@@ -27606,16 +27452,8 @@
                   </a:schemeClr>
                 </a:solidFill>
               </a:rPr>
-              <a:t>floor(x)</a:t>
-            </a:r>
-            <a:endParaRPr lang="en-US" altLang="en-US" sz="4400" dirty="0">
-              <a:solidFill>
-                <a:schemeClr val="tx2">
-                  <a:lumMod val="75000"/>
-                  <a:lumOff val="25000"/>
-                </a:schemeClr>
-              </a:solidFill>
-            </a:endParaRPr>
+              <a:t>floor( x )</a:t>
+            </a:r>
           </a:p>
         </p:txBody>
       </p:sp>
@@ -27797,7 +27635,7 @@
               <a:buNone/>
             </a:pPr>
             <a:r>
-              <a:rPr lang="en-US" altLang="en-US" sz="4400" dirty="0" smtClean="0">
+              <a:rPr lang="en-US" altLang="en-US" sz="4400" dirty="0">
                 <a:solidFill>
                   <a:schemeClr val="tx2">
                     <a:lumMod val="75000"/>
@@ -27805,16 +27643,8 @@
                   </a:schemeClr>
                 </a:solidFill>
               </a:rPr>
-              <a:t>round(x)</a:t>
-            </a:r>
-            <a:endParaRPr lang="en-US" altLang="en-US" sz="4400" dirty="0">
-              <a:solidFill>
-                <a:schemeClr val="tx2">
-                  <a:lumMod val="75000"/>
-                  <a:lumOff val="25000"/>
-                </a:schemeClr>
-              </a:solidFill>
-            </a:endParaRPr>
+              <a:t>round( x )</a:t>
+            </a:r>
           </a:p>
         </p:txBody>
       </p:sp>
@@ -28709,16 +28539,19 @@
                   </a:schemeClr>
                 </a:solidFill>
               </a:rPr>
-              <a:t>ceil(x)</a:t>
-            </a:r>
-            <a:endParaRPr lang="en-US" altLang="en-US" sz="4400" dirty="0">
-              <a:solidFill>
-                <a:schemeClr val="tx2">
-                  <a:lumMod val="75000"/>
-                  <a:lumOff val="25000"/>
-                </a:schemeClr>
-              </a:solidFill>
-            </a:endParaRPr>
+              <a:t>ceil( </a:t>
+            </a:r>
+            <a:r>
+              <a:rPr lang="en-US" altLang="en-US" sz="4400" dirty="0">
+                <a:solidFill>
+                  <a:schemeClr val="tx2">
+                    <a:lumMod val="75000"/>
+                    <a:lumOff val="25000"/>
+                  </a:schemeClr>
+                </a:solidFill>
+              </a:rPr>
+              <a:t>x )</a:t>
+            </a:r>
           </a:p>
         </p:txBody>
       </p:sp>
@@ -31156,7 +30989,7 @@
         <p:spPr bwMode="auto">
           <a:xfrm>
             <a:off x="3124200" y="1676400"/>
-            <a:ext cx="2819400" cy="2743200"/>
+            <a:ext cx="3276600" cy="2743200"/>
           </a:xfrm>
           <a:prstGeom prst="rect">
             <a:avLst/>
@@ -31341,7 +31174,7 @@
         <p:spPr bwMode="auto">
           <a:xfrm>
             <a:off x="3124200" y="533400"/>
-            <a:ext cx="2819400" cy="1143000"/>
+            <a:ext cx="3276600" cy="1143000"/>
           </a:xfrm>
           <a:prstGeom prst="rect">
             <a:avLst/>
@@ -31540,7 +31373,7 @@
         <p:spPr bwMode="auto">
           <a:xfrm>
             <a:off x="3124200" y="4419600"/>
-            <a:ext cx="2819400" cy="1752600"/>
+            <a:ext cx="3276600" cy="1752600"/>
           </a:xfrm>
           <a:prstGeom prst="rect">
             <a:avLst/>
@@ -31700,7 +31533,7 @@
             <a:r>
               <a:rPr lang="en-US" altLang="en-US" sz="2800" dirty="0" err="1">
                 <a:solidFill>
-                  <a:srgbClr val="FF66FF"/>
+                  <a:schemeClr val="bg1"/>
                 </a:solidFill>
               </a:rPr>
               <a:t>Math.random</a:t>
@@ -31708,7 +31541,7 @@
             <a:r>
               <a:rPr lang="en-US" altLang="en-US" sz="2800" dirty="0">
                 <a:solidFill>
-                  <a:srgbClr val="FF66FF"/>
+                  <a:schemeClr val="bg1"/>
                 </a:solidFill>
               </a:rPr>
               <a:t>( </a:t>
@@ -31716,7 +31549,7 @@
             <a:r>
               <a:rPr lang="en-US" altLang="en-US" sz="2800" dirty="0" smtClean="0">
                 <a:solidFill>
-                  <a:srgbClr val="FF66FF"/>
+                  <a:schemeClr val="bg1"/>
                 </a:solidFill>
               </a:rPr>
               <a:t>) </a:t>
@@ -31733,7 +31566,7 @@
             <a:r>
               <a:rPr lang="en-US" altLang="en-US" sz="2400" dirty="0">
                 <a:solidFill>
-                  <a:schemeClr val="bg2"/>
+                  <a:schemeClr val="bg1"/>
                 </a:solidFill>
                 <a:latin typeface="Times New Roman" pitchFamily="18" charset="0"/>
               </a:rPr>
@@ -32917,7 +32750,31 @@
             </a:r>
             <a:r>
               <a:rPr lang="en-US" dirty="0" smtClean="0"/>
-              <a:t> string1 = “blue”;</a:t>
+              <a:t> string1 = </a:t>
+            </a:r>
+            <a:r>
+              <a:rPr lang="en-US" altLang="en-US" dirty="0" smtClean="0">
+                <a:solidFill>
+                  <a:schemeClr val="tx1"/>
+                </a:solidFill>
+              </a:rPr>
+              <a:t>"</a:t>
+            </a:r>
+            <a:r>
+              <a:rPr lang="en-US" dirty="0" smtClean="0"/>
+              <a:t>blue</a:t>
+            </a:r>
+            <a:r>
+              <a:rPr lang="en-US" altLang="en-US" dirty="0" smtClean="0">
+                <a:solidFill>
+                  <a:schemeClr val="tx1"/>
+                </a:solidFill>
+              </a:rPr>
+              <a:t>"</a:t>
+            </a:r>
+            <a:r>
+              <a:rPr lang="en-US" dirty="0" smtClean="0"/>
+              <a:t>;</a:t>
             </a:r>
           </a:p>
           <a:p>
@@ -32930,7 +32787,31 @@
             </a:r>
             <a:r>
               <a:rPr lang="en-US" dirty="0" smtClean="0"/>
-              <a:t> string2=“Today is Monday”;</a:t>
+              <a:t> string2= </a:t>
+            </a:r>
+            <a:r>
+              <a:rPr lang="en-US" altLang="en-US" dirty="0">
+                <a:solidFill>
+                  <a:schemeClr val="tx1"/>
+                </a:solidFill>
+              </a:rPr>
+              <a:t>" </a:t>
+            </a:r>
+            <a:r>
+              <a:rPr lang="en-US" dirty="0" smtClean="0"/>
+              <a:t>Today is Monday</a:t>
+            </a:r>
+            <a:r>
+              <a:rPr lang="en-US" altLang="en-US" dirty="0" smtClean="0">
+                <a:solidFill>
+                  <a:schemeClr val="tx1"/>
+                </a:solidFill>
+              </a:rPr>
+              <a:t>"</a:t>
+            </a:r>
+            <a:r>
+              <a:rPr lang="en-US" dirty="0" smtClean="0"/>
+              <a:t>;</a:t>
             </a:r>
           </a:p>
           <a:p>
@@ -32943,7 +32824,27 @@
             </a:r>
             <a:r>
               <a:rPr lang="en-US" dirty="0" smtClean="0"/>
-              <a:t> string3 = “12”;</a:t>
+              <a:t> string3 = </a:t>
+            </a:r>
+            <a:r>
+              <a:rPr lang="en-US" altLang="en-US" dirty="0" smtClean="0">
+                <a:solidFill>
+                  <a:schemeClr val="tx1"/>
+                </a:solidFill>
+              </a:rPr>
+              <a:t>"</a:t>
+            </a:r>
+            <a:r>
+              <a:rPr lang="en-US" dirty="0" smtClean="0"/>
+              <a:t>12</a:t>
+            </a:r>
+            <a:r>
+              <a:rPr lang="en-US" altLang="en-US" dirty="0" smtClean="0">
+                <a:solidFill>
+                  <a:schemeClr val="tx1"/>
+                </a:solidFill>
+              </a:rPr>
+              <a:t>";</a:t>
             </a:r>
             <a:endParaRPr lang="en-US" dirty="0"/>
           </a:p>
@@ -32959,6 +32860,13 @@
   <p:clrMapOvr>
     <a:masterClrMapping/>
   </p:clrMapOvr>
+  <p:timing>
+    <p:tnLst>
+      <p:par>
+        <p:cTn id="1" dur="indefinite" restart="never" nodeType="tmRoot"/>
+      </p:par>
+    </p:tnLst>
+  </p:timing>
 </p:sld>
 </file>
 
@@ -35191,7 +35099,7 @@
         <p:spPr bwMode="auto">
           <a:xfrm>
             <a:off x="4800600" y="1676400"/>
-            <a:ext cx="3200400" cy="2743200"/>
+            <a:ext cx="3276600" cy="2743200"/>
           </a:xfrm>
           <a:prstGeom prst="rect">
             <a:avLst/>
@@ -35376,7 +35284,7 @@
         <p:spPr bwMode="auto">
           <a:xfrm>
             <a:off x="4800600" y="533400"/>
-            <a:ext cx="3200400" cy="1143000"/>
+            <a:ext cx="3276600" cy="1143000"/>
           </a:xfrm>
           <a:prstGeom prst="rect">
             <a:avLst/>
@@ -35586,7 +35494,7 @@
         <p:spPr bwMode="auto">
           <a:xfrm>
             <a:off x="4800600" y="4419600"/>
-            <a:ext cx="3200400" cy="1752600"/>
+            <a:ext cx="3276600" cy="1752600"/>
           </a:xfrm>
           <a:prstGeom prst="rect">
             <a:avLst/>
@@ -39695,8 +39603,28 @@
               <a:t>] = </a:t>
             </a:r>
             <a:r>
+              <a:rPr lang="en-US" altLang="en-US" dirty="0" smtClean="0">
+                <a:solidFill>
+                  <a:schemeClr val="tx1"/>
+                </a:solidFill>
+              </a:rPr>
+              <a:t>"</a:t>
+            </a:r>
+            <a:r>
               <a:rPr lang="en-US" dirty="0" smtClean="0"/>
-              <a:t>“Hurling"; </a:t>
+              <a:t>Hurling</a:t>
+            </a:r>
+            <a:r>
+              <a:rPr lang="en-US" altLang="en-US" dirty="0" smtClean="0">
+                <a:solidFill>
+                  <a:schemeClr val="tx1"/>
+                </a:solidFill>
+              </a:rPr>
+              <a:t>"</a:t>
+            </a:r>
+            <a:r>
+              <a:rPr lang="en-US" dirty="0" smtClean="0"/>
+              <a:t> ;</a:t>
             </a:r>
           </a:p>
           <a:p>
@@ -39712,11 +39640,11 @@
             </a:r>
             <a:r>
               <a:rPr lang="en-US" dirty="0"/>
-              <a:t>] = </a:t>
+              <a:t>] = "Rugby</a:t>
             </a:r>
             <a:r>
               <a:rPr lang="en-US" dirty="0" smtClean="0"/>
-              <a:t>“Rugby";</a:t>
+              <a:t>";</a:t>
             </a:r>
           </a:p>
           <a:p>
@@ -39756,11 +39684,11 @@
             </a:r>
             <a:r>
               <a:rPr lang="en-US" dirty="0"/>
-              <a:t>= </a:t>
+              <a:t>= "Soccer</a:t>
             </a:r>
             <a:r>
               <a:rPr lang="en-US" dirty="0" smtClean="0"/>
-              <a:t>“Soccer";</a:t>
+              <a:t>";</a:t>
             </a:r>
             <a:endParaRPr lang="en-US" altLang="en-US" dirty="0"/>
           </a:p>
@@ -39777,11 +39705,11 @@
             </a:r>
             <a:r>
               <a:rPr lang="en-US" dirty="0"/>
-              <a:t>= </a:t>
+              <a:t>= "Tennis</a:t>
             </a:r>
             <a:r>
               <a:rPr lang="en-US" dirty="0" smtClean="0"/>
-              <a:t>“Tennis";</a:t>
+              <a:t>";</a:t>
             </a:r>
           </a:p>
           <a:p>
@@ -46350,7 +46278,7 @@
                   <a:schemeClr val="bg1"/>
                 </a:solidFill>
               </a:rPr>
-              <a:t>, </a:t>
+              <a:t>, "Cricket</a:t>
             </a:r>
             <a:r>
               <a:rPr lang="en-US" sz="1800" b="1" dirty="0" smtClean="0">
@@ -46358,7 +46286,23 @@
                   <a:schemeClr val="bg1"/>
                 </a:solidFill>
               </a:rPr>
-              <a:t>“Cricket", “Snooker"</a:t>
+              <a:t>", </a:t>
+            </a:r>
+            <a:r>
+              <a:rPr lang="en-US" sz="1800" b="1" dirty="0">
+                <a:solidFill>
+                  <a:schemeClr val="bg1"/>
+                </a:solidFill>
+              </a:rPr>
+              <a:t>"Snooker</a:t>
+            </a:r>
+            <a:r>
+              <a:rPr lang="en-US" sz="1800" b="1" dirty="0" smtClean="0">
+                <a:solidFill>
+                  <a:schemeClr val="bg1"/>
+                </a:solidFill>
+              </a:rPr>
+              <a:t>"</a:t>
             </a:r>
             <a:r>
               <a:rPr lang="en-US" altLang="en-US" sz="1800" b="1" dirty="0" smtClean="0">
@@ -47164,16 +47108,69 @@
                   <a:schemeClr val="bg1"/>
                 </a:solidFill>
               </a:rPr>
-              <a:t>“Cricket", “Snooker"</a:t>
-            </a:r>
-            <a:r>
-              <a:rPr lang="en-US" altLang="en-US" sz="2800" dirty="0">
+              <a:t>"</a:t>
+            </a:r>
+            <a:r>
+              <a:rPr lang="en-US" sz="2800" dirty="0" smtClean="0">
                 <a:solidFill>
                   <a:schemeClr val="bg1"/>
                 </a:solidFill>
               </a:rPr>
+              <a:t>Cricket</a:t>
+            </a:r>
+            <a:r>
+              <a:rPr lang="en-US" sz="2800" dirty="0">
+                <a:solidFill>
+                  <a:schemeClr val="bg1"/>
+                </a:solidFill>
+              </a:rPr>
+              <a:t>"</a:t>
+            </a:r>
+            <a:r>
+              <a:rPr lang="en-US" sz="2800" dirty="0" smtClean="0">
+                <a:solidFill>
+                  <a:schemeClr val="bg1"/>
+                </a:solidFill>
+              </a:rPr>
+              <a:t>, </a:t>
+            </a:r>
+            <a:r>
+              <a:rPr lang="en-US" sz="2800" dirty="0">
+                <a:solidFill>
+                  <a:schemeClr val="bg1"/>
+                </a:solidFill>
+              </a:rPr>
+              <a:t>"</a:t>
+            </a:r>
+            <a:r>
+              <a:rPr lang="en-US" sz="2800" dirty="0" smtClean="0">
+                <a:solidFill>
+                  <a:schemeClr val="bg1"/>
+                </a:solidFill>
+              </a:rPr>
+              <a:t>Snooker</a:t>
+            </a:r>
+            <a:r>
+              <a:rPr lang="en-US" sz="2800" dirty="0">
+                <a:solidFill>
+                  <a:schemeClr val="bg1"/>
+                </a:solidFill>
+              </a:rPr>
+              <a:t>"</a:t>
+            </a:r>
+            <a:r>
+              <a:rPr lang="en-US" altLang="en-US" sz="2800" dirty="0" smtClean="0">
+                <a:solidFill>
+                  <a:schemeClr val="bg1"/>
+                </a:solidFill>
+              </a:rPr>
               <a:t>);</a:t>
             </a:r>
+            <a:endParaRPr lang="en-US" altLang="en-US" sz="2800" dirty="0">
+              <a:solidFill>
+                <a:schemeClr val="bg1"/>
+              </a:solidFill>
+            </a:endParaRPr>
           </a:p>
         </p:txBody>
       </p:sp>
@@ -50225,23 +50222,7 @@
                   <a:schemeClr val="tx1"/>
                 </a:solidFill>
               </a:rPr>
-              <a:t>In addition to the concatenation operator </a:t>
-            </a:r>
-            <a:r>
-              <a:rPr lang="en-US" altLang="en-US" sz="2400" dirty="0" smtClean="0">
-                <a:solidFill>
-                  <a:schemeClr val="tx1"/>
-                </a:solidFill>
-              </a:rPr>
-              <a:t>(+),  </a:t>
-            </a:r>
-            <a:r>
-              <a:rPr lang="en-US" altLang="en-US" sz="2400" dirty="0" smtClean="0">
-                <a:solidFill>
-                  <a:schemeClr val="tx1"/>
-                </a:solidFill>
-              </a:rPr>
-              <a:t>JavaScript supports several advanced string operations as well.</a:t>
+              <a:t>In addition to the concatenation operator (+) JavaScript supports several advanced string operations as well.</a:t>
             </a:r>
           </a:p>
           <a:p>
@@ -50535,16 +50516,31 @@
           <a:lstStyle/>
           <a:p>
             <a:pPr marL="0" indent="0">
-              <a:buFontTx/>
               <a:buNone/>
             </a:pPr>
             <a:r>
+              <a:rPr lang="en-US" altLang="en-US" dirty="0">
+                <a:solidFill>
+                  <a:schemeClr val="tx1"/>
+                </a:solidFill>
+              </a:rPr>
+              <a:t>name = "</a:t>
+            </a:r>
+            <a:r>
+              <a:rPr lang="en-US" altLang="en-US" dirty="0" err="1">
+                <a:solidFill>
+                  <a:schemeClr val="tx1"/>
+                </a:solidFill>
+              </a:rPr>
+              <a:t>Bhola</a:t>
+            </a:r>
+            <a:r>
               <a:rPr lang="en-US" altLang="en-US" dirty="0" smtClean="0">
                 <a:solidFill>
                   <a:schemeClr val="tx1"/>
                 </a:solidFill>
               </a:rPr>
-              <a:t>name = “BHOLA” ;</a:t>
+              <a:t>";</a:t>
             </a:r>
           </a:p>
           <a:p>
@@ -50561,12 +50557,28 @@
               <a:t>document.write</a:t>
             </a:r>
             <a:r>
+              <a:rPr lang="en-US" altLang="en-US" dirty="0">
+                <a:solidFill>
+                  <a:schemeClr val="tx1"/>
+                </a:solidFill>
+              </a:rPr>
+              <a:t>(" The </a:t>
+            </a:r>
+            <a:r>
               <a:rPr lang="en-US" altLang="en-US" dirty="0" smtClean="0">
                 <a:solidFill>
                   <a:schemeClr val="tx1"/>
                 </a:solidFill>
               </a:rPr>
-              <a:t>( “The length of the string ‘name’ is ”, </a:t>
+              <a:t>length of the string ‘name’ is </a:t>
+            </a:r>
+            <a:r>
+              <a:rPr lang="en-US" altLang="en-US" dirty="0">
+                <a:solidFill>
+                  <a:schemeClr val="tx1"/>
+                </a:solidFill>
+              </a:rPr>
+              <a:t>", </a:t>
             </a:r>
             <a:r>
               <a:rPr lang="en-US" altLang="en-US" dirty="0" err="1" smtClean="0">
@@ -50582,15 +50594,7 @@
                   <a:schemeClr val="tx1"/>
                 </a:solidFill>
               </a:rPr>
-              <a:t>) </a:t>
-            </a:r>
-            <a:r>
-              <a:rPr lang="en-US" altLang="en-US" dirty="0" smtClean="0">
-                <a:solidFill>
-                  <a:schemeClr val="tx1"/>
-                </a:solidFill>
-              </a:rPr>
-              <a:t>;</a:t>
+              <a:t> ) ;</a:t>
             </a:r>
           </a:p>
         </p:txBody>
@@ -51198,10 +51202,18 @@
                   <a:schemeClr val="tx1"/>
                 </a:solidFill>
               </a:rPr>
-              <a:t>name = “</a:t>
-            </a:r>
-            <a:r>
-              <a:rPr lang="en-US" altLang="en-US" sz="2400" dirty="0" err="1" smtClean="0">
+              <a:t>name </a:t>
+            </a:r>
+            <a:r>
+              <a:rPr lang="en-US" altLang="en-US" sz="2400" dirty="0">
+                <a:solidFill>
+                  <a:schemeClr val="tx1"/>
+                </a:solidFill>
+              </a:rPr>
+              <a:t>= "</a:t>
+            </a:r>
+            <a:r>
+              <a:rPr lang="en-US" altLang="en-US" sz="2400" dirty="0" err="1">
                 <a:solidFill>
                   <a:schemeClr val="tx1"/>
                 </a:solidFill>
@@ -51209,13 +51221,18 @@
               <a:t>Bhola</a:t>
             </a:r>
             <a:r>
-              <a:rPr lang="en-US" altLang="en-US" sz="2400" dirty="0" smtClean="0">
-                <a:solidFill>
-                  <a:schemeClr val="tx1"/>
-                </a:solidFill>
-              </a:rPr>
-              <a:t>” ;</a:t>
-            </a:r>
+              <a:rPr lang="en-US" altLang="en-US" sz="2400" dirty="0">
+                <a:solidFill>
+                  <a:schemeClr val="tx1"/>
+                </a:solidFill>
+              </a:rPr>
+              <a:t>";</a:t>
+            </a:r>
+            <a:endParaRPr lang="en-US" altLang="en-US" sz="2400" dirty="0" smtClean="0">
+              <a:solidFill>
+                <a:schemeClr val="tx1"/>
+              </a:solidFill>
+            </a:endParaRPr>
           </a:p>
           <a:p>
             <a:pPr marL="0" indent="0">
@@ -51235,16 +51252,13 @@
                   <a:schemeClr val="tx1"/>
                 </a:solidFill>
               </a:rPr>
-              <a:t>(name) </a:t>
-            </a:r>
-            <a:r>
-              <a:rPr lang="en-US" altLang="en-US" sz="2400" dirty="0">
-                <a:solidFill>
-                  <a:schemeClr val="tx1"/>
-                </a:solidFill>
-              </a:rPr>
-              <a:t>;</a:t>
-            </a:r>
+              <a:t>(name);</a:t>
+            </a:r>
+            <a:endParaRPr lang="en-US" altLang="en-US" sz="2400" dirty="0">
+              <a:solidFill>
+                <a:schemeClr val="tx1"/>
+              </a:solidFill>
+            </a:endParaRPr>
           </a:p>
           <a:p>
             <a:pPr marL="0" indent="0">
@@ -51281,15 +51295,7 @@
                   <a:schemeClr val="tx1"/>
                 </a:solidFill>
               </a:rPr>
-              <a:t>()) </a:t>
-            </a:r>
-            <a:r>
-              <a:rPr lang="en-US" altLang="en-US" sz="2400" dirty="0" smtClean="0">
-                <a:solidFill>
-                  <a:schemeClr val="tx1"/>
-                </a:solidFill>
-              </a:rPr>
-              <a:t>;</a:t>
+              <a:t>()) ;</a:t>
             </a:r>
           </a:p>
         </p:txBody>
@@ -53353,15 +53359,7 @@
                   <a:schemeClr val="tx1"/>
                 </a:solidFill>
               </a:rPr>
-              <a:t>(person) </a:t>
-            </a:r>
-            <a:r>
-              <a:rPr lang="en-US" altLang="en-US" sz="2400" dirty="0" smtClean="0">
-                <a:solidFill>
-                  <a:schemeClr val="tx1"/>
-                </a:solidFill>
-              </a:rPr>
-              <a:t>;</a:t>
+              <a:t>(person) ;</a:t>
             </a:r>
           </a:p>
           <a:p>
@@ -53399,15 +53397,7 @@
                   <a:schemeClr val="tx1"/>
                 </a:solidFill>
               </a:rPr>
-              <a:t>()) </a:t>
-            </a:r>
-            <a:r>
-              <a:rPr lang="en-US" altLang="en-US" sz="2400" dirty="0" smtClean="0">
-                <a:solidFill>
-                  <a:schemeClr val="tx1"/>
-                </a:solidFill>
-              </a:rPr>
-              <a:t>;</a:t>
+              <a:t>());</a:t>
             </a:r>
           </a:p>
           <a:p>
@@ -53445,15 +53435,7 @@
                   <a:schemeClr val="tx1"/>
                 </a:solidFill>
               </a:rPr>
-              <a:t>()) </a:t>
-            </a:r>
-            <a:r>
-              <a:rPr lang="en-US" altLang="en-US" sz="2400" dirty="0" smtClean="0">
-                <a:solidFill>
-                  <a:schemeClr val="tx1"/>
-                </a:solidFill>
-              </a:rPr>
-              <a:t>;</a:t>
+              <a:t>());</a:t>
             </a:r>
           </a:p>
           <a:p>
@@ -54073,7 +54055,7 @@
   <a:extraClrSchemeLst/>
   <a:extLst>
     <a:ext uri="{05A4C25C-085E-4340-85A3-A5531E510DB2}">
-      <thm15:themeFamily xmlns:thm15="http://schemas.microsoft.com/office/thememl/2012/main" xmlns="" name="Badge" id="{71A07785-5930-41D4-9A83-E23602B48E98}" vid="{771EA782-DFA6-45B1-AEA3-661F1715B310}"/>
+      <thm15:themeFamily xmlns="" xmlns:thm15="http://schemas.microsoft.com/office/thememl/2012/main" name="Badge" id="{71A07785-5930-41D4-9A83-E23602B48E98}" vid="{771EA782-DFA6-45B1-AEA3-661F1715B310}"/>
     </a:ext>
   </a:extLst>
 </a:theme>

--- a/topic-03-JavaScript-2/talk-1/talk-1.pptx
+++ b/topic-03-JavaScript-2/talk-1/talk-1.pptx
@@ -155,7 +155,7 @@
   </p:defaultTextStyle>
   <p:extLst>
     <p:ext uri="{EFAFB233-063F-42B5-8137-9DF3F51BA10A}">
-      <p15:sldGuideLst xmlns="" xmlns:p15="http://schemas.microsoft.com/office/powerpoint/2012/main">
+      <p15:sldGuideLst xmlns:p15="http://schemas.microsoft.com/office/powerpoint/2012/main" xmlns="">
         <p15:guide id="1" orient="horz" pos="2160">
           <p15:clr>
             <a:srgbClr val="A4A3A4"/>
@@ -11697,7 +11697,7 @@
   </p:clrMapOvr>
   <p:extLst mod="1">
     <p:ext uri="{DCECCB84-F9BA-43D5-87BE-67443E8EF086}">
-      <p15:sldGuideLst xmlns="" xmlns:p15="http://schemas.microsoft.com/office/powerpoint/2012/main"/>
+      <p15:sldGuideLst xmlns:p15="http://schemas.microsoft.com/office/powerpoint/2012/main" xmlns=""/>
     </p:ext>
   </p:extLst>
 </p:sldLayout>
@@ -12087,7 +12087,7 @@
   </p:clrMapOvr>
   <p:extLst mod="1">
     <p:ext uri="{DCECCB84-F9BA-43D5-87BE-67443E8EF086}">
-      <p15:sldGuideLst xmlns="" xmlns:p15="http://schemas.microsoft.com/office/powerpoint/2012/main"/>
+      <p15:sldGuideLst xmlns:p15="http://schemas.microsoft.com/office/powerpoint/2012/main" xmlns=""/>
     </p:ext>
   </p:extLst>
 </p:sldLayout>
@@ -13156,7 +13156,7 @@
   </p:clrMapOvr>
   <p:extLst mod="1">
     <p:ext uri="{DCECCB84-F9BA-43D5-87BE-67443E8EF086}">
-      <p15:sldGuideLst xmlns="" xmlns:p15="http://schemas.microsoft.com/office/powerpoint/2012/main">
+      <p15:sldGuideLst xmlns:p15="http://schemas.microsoft.com/office/powerpoint/2012/main" xmlns="">
         <p15:guide id="1" orient="horz" pos="696">
           <p15:clr>
             <a:srgbClr val="FBAE40"/>
@@ -14773,7 +14773,7 @@
   </p:txStyles>
   <p:extLst mod="1">
     <p:ext uri="{27BBF7A9-308A-43DC-89C8-2F10F3537804}">
-      <p15:sldGuideLst xmlns="" xmlns:p15="http://schemas.microsoft.com/office/powerpoint/2012/main">
+      <p15:sldGuideLst xmlns:p15="http://schemas.microsoft.com/office/powerpoint/2012/main" xmlns="">
         <p15:guide id="1" pos="792">
           <p15:clr>
             <a:srgbClr val="F26B43"/>
@@ -14873,11 +14873,7 @@
             </a:br>
             <a:r>
               <a:rPr lang="en-US" altLang="en-US" sz="6000" b="1" smtClean="0"/>
-              <a:t>Part </a:t>
-            </a:r>
-            <a:r>
-              <a:rPr lang="en-US" altLang="en-US" sz="6000" b="1" smtClean="0"/>
-              <a:t>two</a:t>
+              <a:t>Part two</a:t>
             </a:r>
             <a:endParaRPr lang="tr-TR" altLang="en-US" sz="6000" b="1" dirty="0" smtClean="0"/>
           </a:p>
@@ -17931,7 +17927,7 @@
         </p:nvSpPr>
         <p:spPr bwMode="auto">
           <a:xfrm>
-            <a:off x="4419600" y="4419600"/>
+            <a:off x="4876800" y="4419600"/>
             <a:ext cx="3424237" cy="2095500"/>
           </a:xfrm>
           <a:prstGeom prst="roundRect">
@@ -54055,7 +54051,7 @@
   <a:extraClrSchemeLst/>
   <a:extLst>
     <a:ext uri="{05A4C25C-085E-4340-85A3-A5531E510DB2}">
-      <thm15:themeFamily xmlns="" xmlns:thm15="http://schemas.microsoft.com/office/thememl/2012/main" name="Badge" id="{71A07785-5930-41D4-9A83-E23602B48E98}" vid="{771EA782-DFA6-45B1-AEA3-661F1715B310}"/>
+      <thm15:themeFamily xmlns:thm15="http://schemas.microsoft.com/office/thememl/2012/main" xmlns="" name="Badge" id="{71A07785-5930-41D4-9A83-E23602B48E98}" vid="{771EA782-DFA6-45B1-AEA3-661F1715B310}"/>
     </a:ext>
   </a:extLst>
 </a:theme>

--- a/topic-03-JavaScript-2/talk-1/talk-1.pptx
+++ b/topic-03-JavaScript-2/talk-1/talk-1.pptx
@@ -155,7 +155,7 @@
   </p:defaultTextStyle>
   <p:extLst>
     <p:ext uri="{EFAFB233-063F-42B5-8137-9DF3F51BA10A}">
-      <p15:sldGuideLst xmlns:p15="http://schemas.microsoft.com/office/powerpoint/2012/main" xmlns="">
+      <p15:sldGuideLst xmlns="" xmlns:p15="http://schemas.microsoft.com/office/powerpoint/2012/main">
         <p15:guide id="1" orient="horz" pos="2160">
           <p15:clr>
             <a:srgbClr val="A4A3A4"/>
@@ -254,7 +254,7 @@
           <a:p>
             <a:fld id="{31E3A3E0-0EEC-43C3-B8B8-6A5D051024B7}" type="datetimeFigureOut">
               <a:rPr lang="en-US" smtClean="0"/>
-              <a:t>1/29/2018</a:t>
+              <a:t>1/30/2018</a:t>
             </a:fld>
             <a:endParaRPr lang="en-US"/>
           </a:p>
@@ -8609,7 +8609,7 @@
           <a:p>
             <a:fld id="{4BC48473-ACCD-4242-806A-1249CC2C55A8}" type="datetimeFigureOut">
               <a:rPr lang="en-US" smtClean="0"/>
-              <a:t>1/29/2018</a:t>
+              <a:t>1/30/2018</a:t>
             </a:fld>
             <a:endParaRPr lang="en-US"/>
           </a:p>
@@ -8885,7 +8885,7 @@
           <a:p>
             <a:fld id="{4BC48473-ACCD-4242-806A-1249CC2C55A8}" type="datetimeFigureOut">
               <a:rPr lang="en-US" smtClean="0"/>
-              <a:t>1/29/2018</a:t>
+              <a:t>1/30/2018</a:t>
             </a:fld>
             <a:endParaRPr lang="en-US"/>
           </a:p>
@@ -9065,7 +9065,7 @@
           <a:p>
             <a:fld id="{4BC48473-ACCD-4242-806A-1249CC2C55A8}" type="datetimeFigureOut">
               <a:rPr lang="en-US" smtClean="0"/>
-              <a:t>1/29/2018</a:t>
+              <a:t>1/30/2018</a:t>
             </a:fld>
             <a:endParaRPr lang="en-US"/>
           </a:p>
@@ -9235,7 +9235,7 @@
           <a:p>
             <a:fld id="{4BC48473-ACCD-4242-806A-1249CC2C55A8}" type="datetimeFigureOut">
               <a:rPr lang="en-US" smtClean="0"/>
-              <a:t>1/29/2018</a:t>
+              <a:t>1/30/2018</a:t>
             </a:fld>
             <a:endParaRPr lang="en-US"/>
           </a:p>
@@ -9831,7 +9831,7 @@
           <a:p>
             <a:fld id="{4BC48473-ACCD-4242-806A-1249CC2C55A8}" type="datetimeFigureOut">
               <a:rPr lang="en-US" smtClean="0"/>
-              <a:t>1/29/2018</a:t>
+              <a:t>1/30/2018</a:t>
             </a:fld>
             <a:endParaRPr lang="en-US"/>
           </a:p>
@@ -11637,7 +11637,7 @@
           <a:p>
             <a:fld id="{4BC48473-ACCD-4242-806A-1249CC2C55A8}" type="datetimeFigureOut">
               <a:rPr lang="en-US" smtClean="0"/>
-              <a:t>1/29/2018</a:t>
+              <a:t>1/30/2018</a:t>
             </a:fld>
             <a:endParaRPr lang="en-US"/>
           </a:p>
@@ -11697,7 +11697,7 @@
   </p:clrMapOvr>
   <p:extLst mod="1">
     <p:ext uri="{DCECCB84-F9BA-43D5-87BE-67443E8EF086}">
-      <p15:sldGuideLst xmlns:p15="http://schemas.microsoft.com/office/powerpoint/2012/main" xmlns=""/>
+      <p15:sldGuideLst xmlns="" xmlns:p15="http://schemas.microsoft.com/office/powerpoint/2012/main"/>
     </p:ext>
   </p:extLst>
 </p:sldLayout>
@@ -12027,7 +12027,7 @@
           <a:p>
             <a:fld id="{4BC48473-ACCD-4242-806A-1249CC2C55A8}" type="datetimeFigureOut">
               <a:rPr lang="en-US" smtClean="0"/>
-              <a:t>1/29/2018</a:t>
+              <a:t>1/30/2018</a:t>
             </a:fld>
             <a:endParaRPr lang="en-US"/>
           </a:p>
@@ -12087,7 +12087,7 @@
   </p:clrMapOvr>
   <p:extLst mod="1">
     <p:ext uri="{DCECCB84-F9BA-43D5-87BE-67443E8EF086}">
-      <p15:sldGuideLst xmlns:p15="http://schemas.microsoft.com/office/powerpoint/2012/main" xmlns=""/>
+      <p15:sldGuideLst xmlns="" xmlns:p15="http://schemas.microsoft.com/office/powerpoint/2012/main"/>
     </p:ext>
   </p:extLst>
 </p:sldLayout>
@@ -12150,7 +12150,7 @@
           <a:p>
             <a:fld id="{4BC48473-ACCD-4242-806A-1249CC2C55A8}" type="datetimeFigureOut">
               <a:rPr lang="en-US" smtClean="0"/>
-              <a:t>1/29/2018</a:t>
+              <a:t>1/30/2018</a:t>
             </a:fld>
             <a:endParaRPr lang="en-US"/>
           </a:p>
@@ -12245,7 +12245,7 @@
           <a:p>
             <a:fld id="{4BC48473-ACCD-4242-806A-1249CC2C55A8}" type="datetimeFigureOut">
               <a:rPr lang="en-US" smtClean="0"/>
-              <a:t>1/29/2018</a:t>
+              <a:t>1/30/2018</a:t>
             </a:fld>
             <a:endParaRPr lang="en-US"/>
           </a:p>
@@ -13010,7 +13010,7 @@
           <a:p>
             <a:fld id="{4BC48473-ACCD-4242-806A-1249CC2C55A8}" type="datetimeFigureOut">
               <a:rPr lang="en-US" smtClean="0"/>
-              <a:t>1/29/2018</a:t>
+              <a:t>1/30/2018</a:t>
             </a:fld>
             <a:endParaRPr lang="en-US"/>
           </a:p>
@@ -13156,7 +13156,7 @@
   </p:clrMapOvr>
   <p:extLst mod="1">
     <p:ext uri="{DCECCB84-F9BA-43D5-87BE-67443E8EF086}">
-      <p15:sldGuideLst xmlns:p15="http://schemas.microsoft.com/office/powerpoint/2012/main" xmlns="">
+      <p15:sldGuideLst xmlns="" xmlns:p15="http://schemas.microsoft.com/office/powerpoint/2012/main">
         <p15:guide id="1" orient="horz" pos="696">
           <p15:clr>
             <a:srgbClr val="FBAE40"/>
@@ -13890,7 +13890,7 @@
           <a:p>
             <a:fld id="{4BC48473-ACCD-4242-806A-1249CC2C55A8}" type="datetimeFigureOut">
               <a:rPr lang="en-US" smtClean="0"/>
-              <a:t>1/29/2018</a:t>
+              <a:t>1/30/2018</a:t>
             </a:fld>
             <a:endParaRPr lang="en-US"/>
           </a:p>
@@ -14155,7 +14155,7 @@
           <a:p>
             <a:fld id="{4BC48473-ACCD-4242-806A-1249CC2C55A8}" type="datetimeFigureOut">
               <a:rPr lang="en-US" smtClean="0"/>
-              <a:t>1/29/2018</a:t>
+              <a:t>1/30/2018</a:t>
             </a:fld>
             <a:endParaRPr lang="en-US"/>
           </a:p>
@@ -14773,7 +14773,7 @@
   </p:txStyles>
   <p:extLst mod="1">
     <p:ext uri="{27BBF7A9-308A-43DC-89C8-2F10F3537804}">
-      <p15:sldGuideLst xmlns:p15="http://schemas.microsoft.com/office/powerpoint/2012/main" xmlns="">
+      <p15:sldGuideLst xmlns="" xmlns:p15="http://schemas.microsoft.com/office/powerpoint/2012/main">
         <p15:guide id="1" pos="792">
           <p15:clr>
             <a:srgbClr val="F26B43"/>
@@ -21988,6 +21988,10 @@
               <a:rPr lang="en-US" dirty="0" err="1"/>
               <a:t>javascript</a:t>
             </a:r>
+            <a:r>
+              <a:rPr lang="en-US" dirty="0"/>
+              <a:t> - 2</a:t>
+            </a:r>
             <a:endParaRPr lang="en-US" dirty="0"/>
           </a:p>
         </p:txBody>
@@ -22269,8 +22273,12 @@
               <a:t>Introduction to </a:t>
             </a:r>
             <a:r>
-              <a:rPr lang="en-US" dirty="0" err="1"/>
+              <a:rPr lang="en-US" dirty="0" err="1" smtClean="0"/>
               <a:t>javascript</a:t>
+            </a:r>
+            <a:r>
+              <a:rPr lang="en-US" dirty="0" smtClean="0"/>
+              <a:t> - 2</a:t>
             </a:r>
             <a:endParaRPr lang="en-US" dirty="0"/>
           </a:p>
@@ -32096,6 +32104,10 @@
               <a:rPr lang="en-US" dirty="0" err="1"/>
               <a:t>javascript</a:t>
             </a:r>
+            <a:r>
+              <a:rPr lang="en-US" dirty="0"/>
+              <a:t> - 2</a:t>
+            </a:r>
             <a:endParaRPr lang="en-US" dirty="0"/>
           </a:p>
         </p:txBody>
@@ -36722,6 +36734,10 @@
             <a:r>
               <a:rPr lang="en-US" dirty="0" err="1"/>
               <a:t>javascript</a:t>
+            </a:r>
+            <a:r>
+              <a:rPr lang="en-US" dirty="0"/>
+              <a:t> - 2</a:t>
             </a:r>
             <a:endParaRPr lang="en-US" dirty="0"/>
           </a:p>
@@ -39062,6 +39078,10 @@
               <a:rPr lang="en-US" dirty="0" err="1"/>
               <a:t>javascript</a:t>
             </a:r>
+            <a:r>
+              <a:rPr lang="en-US" dirty="0"/>
+              <a:t> - 2</a:t>
+            </a:r>
             <a:endParaRPr lang="en-US" dirty="0"/>
           </a:p>
         </p:txBody>
@@ -54051,7 +54071,7 @@
   <a:extraClrSchemeLst/>
   <a:extLst>
     <a:ext uri="{05A4C25C-085E-4340-85A3-A5531E510DB2}">
-      <thm15:themeFamily xmlns:thm15="http://schemas.microsoft.com/office/thememl/2012/main" xmlns="" name="Badge" id="{71A07785-5930-41D4-9A83-E23602B48E98}" vid="{771EA782-DFA6-45B1-AEA3-661F1715B310}"/>
+      <thm15:themeFamily xmlns="" xmlns:thm15="http://schemas.microsoft.com/office/thememl/2012/main" name="Badge" id="{71A07785-5930-41D4-9A83-E23602B48E98}" vid="{771EA782-DFA6-45B1-AEA3-661F1715B310}"/>
     </a:ext>
   </a:extLst>
 </a:theme>
